--- a/Ms. Office/table perbedaan.pptx
+++ b/Ms. Office/table perbedaan.pptx
@@ -6,6 +6,7 @@
   </p:sldMasterIdLst>
   <p:sldIdLst>
     <p:sldId id="256" r:id="rId2"/>
+    <p:sldId id="257" r:id="rId3"/>
   </p:sldIdLst>
   <p:sldSz cx="12192000" cy="6858000"/>
   <p:notesSz cx="6858000" cy="9144000"/>
@@ -104,6 +105,11 @@
       </a:defRPr>
     </a:lvl9pPr>
   </p:defaultTextStyle>
+  <p:extLst>
+    <p:ext uri="{EFAFB233-063F-42B5-8137-9DF3F51BA10A}">
+      <p15:sldGuideLst xmlns:p15="http://schemas.microsoft.com/office/powerpoint/2012/main"/>
+    </p:ext>
+  </p:extLst>
 </p:presentation>
 </file>
 
@@ -149,10 +155,9 @@
           </a:lstStyle>
           <a:p>
             <a:r>
-              <a:rPr lang="en-US" smtClean="0"/>
+              <a:rPr lang="en-US"/>
               <a:t>Click to edit Master title style</a:t>
             </a:r>
-            <a:endParaRPr lang="en-US"/>
           </a:p>
         </p:txBody>
       </p:sp>
@@ -214,10 +219,9 @@
           </a:lstStyle>
           <a:p>
             <a:r>
-              <a:rPr lang="en-US" smtClean="0"/>
+              <a:rPr lang="en-US"/>
               <a:t>Click to edit Master subtitle style</a:t>
             </a:r>
-            <a:endParaRPr lang="en-US"/>
           </a:p>
         </p:txBody>
       </p:sp>
@@ -238,7 +242,7 @@
           <a:p>
             <a:fld id="{84409471-AC0A-4B17-A7CA-672B2B572DF1}" type="datetimeFigureOut">
               <a:rPr lang="en-US" smtClean="0"/>
-              <a:t>4/17/2018</a:t>
+              <a:t>7/2/2018</a:t>
             </a:fld>
             <a:endParaRPr lang="en-US"/>
           </a:p>
@@ -332,10 +336,9 @@
           <a:lstStyle/>
           <a:p>
             <a:r>
-              <a:rPr lang="en-US" smtClean="0"/>
+              <a:rPr lang="en-US"/>
               <a:t>Click to edit Master title style</a:t>
             </a:r>
-            <a:endParaRPr lang="en-US"/>
           </a:p>
         </p:txBody>
       </p:sp>
@@ -356,38 +359,37 @@
           <a:p>
             <a:pPr lvl="0"/>
             <a:r>
-              <a:rPr lang="en-US" smtClean="0"/>
+              <a:rPr lang="en-US"/>
               <a:t>Click to edit Master text styles</a:t>
             </a:r>
           </a:p>
           <a:p>
             <a:pPr lvl="1"/>
             <a:r>
-              <a:rPr lang="en-US" smtClean="0"/>
+              <a:rPr lang="en-US"/>
               <a:t>Second level</a:t>
             </a:r>
           </a:p>
           <a:p>
             <a:pPr lvl="2"/>
             <a:r>
-              <a:rPr lang="en-US" smtClean="0"/>
+              <a:rPr lang="en-US"/>
               <a:t>Third level</a:t>
             </a:r>
           </a:p>
           <a:p>
             <a:pPr lvl="3"/>
             <a:r>
-              <a:rPr lang="en-US" smtClean="0"/>
+              <a:rPr lang="en-US"/>
               <a:t>Fourth level</a:t>
             </a:r>
           </a:p>
           <a:p>
             <a:pPr lvl="4"/>
             <a:r>
-              <a:rPr lang="en-US" smtClean="0"/>
+              <a:rPr lang="en-US"/>
               <a:t>Fifth level</a:t>
             </a:r>
-            <a:endParaRPr lang="en-US"/>
           </a:p>
         </p:txBody>
       </p:sp>
@@ -408,7 +410,7 @@
           <a:p>
             <a:fld id="{84409471-AC0A-4B17-A7CA-672B2B572DF1}" type="datetimeFigureOut">
               <a:rPr lang="en-US" smtClean="0"/>
-              <a:t>4/17/2018</a:t>
+              <a:t>7/2/2018</a:t>
             </a:fld>
             <a:endParaRPr lang="en-US"/>
           </a:p>
@@ -507,10 +509,9 @@
           <a:lstStyle/>
           <a:p>
             <a:r>
-              <a:rPr lang="en-US" smtClean="0"/>
+              <a:rPr lang="en-US"/>
               <a:t>Click to edit Master title style</a:t>
             </a:r>
-            <a:endParaRPr lang="en-US"/>
           </a:p>
         </p:txBody>
       </p:sp>
@@ -536,38 +537,37 @@
           <a:p>
             <a:pPr lvl="0"/>
             <a:r>
-              <a:rPr lang="en-US" smtClean="0"/>
+              <a:rPr lang="en-US"/>
               <a:t>Click to edit Master text styles</a:t>
             </a:r>
           </a:p>
           <a:p>
             <a:pPr lvl="1"/>
             <a:r>
-              <a:rPr lang="en-US" smtClean="0"/>
+              <a:rPr lang="en-US"/>
               <a:t>Second level</a:t>
             </a:r>
           </a:p>
           <a:p>
             <a:pPr lvl="2"/>
             <a:r>
-              <a:rPr lang="en-US" smtClean="0"/>
+              <a:rPr lang="en-US"/>
               <a:t>Third level</a:t>
             </a:r>
           </a:p>
           <a:p>
             <a:pPr lvl="3"/>
             <a:r>
-              <a:rPr lang="en-US" smtClean="0"/>
+              <a:rPr lang="en-US"/>
               <a:t>Fourth level</a:t>
             </a:r>
           </a:p>
           <a:p>
             <a:pPr lvl="4"/>
             <a:r>
-              <a:rPr lang="en-US" smtClean="0"/>
+              <a:rPr lang="en-US"/>
               <a:t>Fifth level</a:t>
             </a:r>
-            <a:endParaRPr lang="en-US"/>
           </a:p>
         </p:txBody>
       </p:sp>
@@ -588,7 +588,7 @@
           <a:p>
             <a:fld id="{84409471-AC0A-4B17-A7CA-672B2B572DF1}" type="datetimeFigureOut">
               <a:rPr lang="en-US" smtClean="0"/>
-              <a:t>4/17/2018</a:t>
+              <a:t>7/2/2018</a:t>
             </a:fld>
             <a:endParaRPr lang="en-US"/>
           </a:p>
@@ -682,10 +682,9 @@
           <a:lstStyle/>
           <a:p>
             <a:r>
-              <a:rPr lang="en-US" smtClean="0"/>
+              <a:rPr lang="en-US"/>
               <a:t>Click to edit Master title style</a:t>
             </a:r>
-            <a:endParaRPr lang="en-US"/>
           </a:p>
         </p:txBody>
       </p:sp>
@@ -706,38 +705,37 @@
           <a:p>
             <a:pPr lvl="0"/>
             <a:r>
-              <a:rPr lang="en-US" smtClean="0"/>
+              <a:rPr lang="en-US"/>
               <a:t>Click to edit Master text styles</a:t>
             </a:r>
           </a:p>
           <a:p>
             <a:pPr lvl="1"/>
             <a:r>
-              <a:rPr lang="en-US" smtClean="0"/>
+              <a:rPr lang="en-US"/>
               <a:t>Second level</a:t>
             </a:r>
           </a:p>
           <a:p>
             <a:pPr lvl="2"/>
             <a:r>
-              <a:rPr lang="en-US" smtClean="0"/>
+              <a:rPr lang="en-US"/>
               <a:t>Third level</a:t>
             </a:r>
           </a:p>
           <a:p>
             <a:pPr lvl="3"/>
             <a:r>
-              <a:rPr lang="en-US" smtClean="0"/>
+              <a:rPr lang="en-US"/>
               <a:t>Fourth level</a:t>
             </a:r>
           </a:p>
           <a:p>
             <a:pPr lvl="4"/>
             <a:r>
-              <a:rPr lang="en-US" smtClean="0"/>
+              <a:rPr lang="en-US"/>
               <a:t>Fifth level</a:t>
             </a:r>
-            <a:endParaRPr lang="en-US"/>
           </a:p>
         </p:txBody>
       </p:sp>
@@ -758,7 +756,7 @@
           <a:p>
             <a:fld id="{84409471-AC0A-4B17-A7CA-672B2B572DF1}" type="datetimeFigureOut">
               <a:rPr lang="en-US" smtClean="0"/>
-              <a:t>4/17/2018</a:t>
+              <a:t>7/2/2018</a:t>
             </a:fld>
             <a:endParaRPr lang="en-US"/>
           </a:p>
@@ -861,10 +859,9 @@
           </a:lstStyle>
           <a:p>
             <a:r>
-              <a:rPr lang="en-US" smtClean="0"/>
+              <a:rPr lang="en-US"/>
               <a:t>Click to edit Master title style</a:t>
             </a:r>
-            <a:endParaRPr lang="en-US"/>
           </a:p>
         </p:txBody>
       </p:sp>
@@ -981,7 +978,7 @@
           <a:p>
             <a:pPr lvl="0"/>
             <a:r>
-              <a:rPr lang="en-US" smtClean="0"/>
+              <a:rPr lang="en-US"/>
               <a:t>Click to edit Master text styles</a:t>
             </a:r>
           </a:p>
@@ -1004,7 +1001,7 @@
           <a:p>
             <a:fld id="{84409471-AC0A-4B17-A7CA-672B2B572DF1}" type="datetimeFigureOut">
               <a:rPr lang="en-US" smtClean="0"/>
-              <a:t>4/17/2018</a:t>
+              <a:t>7/2/2018</a:t>
             </a:fld>
             <a:endParaRPr lang="en-US"/>
           </a:p>
@@ -1098,10 +1095,9 @@
           <a:lstStyle/>
           <a:p>
             <a:r>
-              <a:rPr lang="en-US" smtClean="0"/>
+              <a:rPr lang="en-US"/>
               <a:t>Click to edit Master title style</a:t>
             </a:r>
-            <a:endParaRPr lang="en-US"/>
           </a:p>
         </p:txBody>
       </p:sp>
@@ -1127,38 +1123,37 @@
           <a:p>
             <a:pPr lvl="0"/>
             <a:r>
-              <a:rPr lang="en-US" smtClean="0"/>
+              <a:rPr lang="en-US"/>
               <a:t>Click to edit Master text styles</a:t>
             </a:r>
           </a:p>
           <a:p>
             <a:pPr lvl="1"/>
             <a:r>
-              <a:rPr lang="en-US" smtClean="0"/>
+              <a:rPr lang="en-US"/>
               <a:t>Second level</a:t>
             </a:r>
           </a:p>
           <a:p>
             <a:pPr lvl="2"/>
             <a:r>
-              <a:rPr lang="en-US" smtClean="0"/>
+              <a:rPr lang="en-US"/>
               <a:t>Third level</a:t>
             </a:r>
           </a:p>
           <a:p>
             <a:pPr lvl="3"/>
             <a:r>
-              <a:rPr lang="en-US" smtClean="0"/>
+              <a:rPr lang="en-US"/>
               <a:t>Fourth level</a:t>
             </a:r>
           </a:p>
           <a:p>
             <a:pPr lvl="4"/>
             <a:r>
-              <a:rPr lang="en-US" smtClean="0"/>
+              <a:rPr lang="en-US"/>
               <a:t>Fifth level</a:t>
             </a:r>
-            <a:endParaRPr lang="en-US"/>
           </a:p>
         </p:txBody>
       </p:sp>
@@ -1184,38 +1179,37 @@
           <a:p>
             <a:pPr lvl="0"/>
             <a:r>
-              <a:rPr lang="en-US" smtClean="0"/>
+              <a:rPr lang="en-US"/>
               <a:t>Click to edit Master text styles</a:t>
             </a:r>
           </a:p>
           <a:p>
             <a:pPr lvl="1"/>
             <a:r>
-              <a:rPr lang="en-US" smtClean="0"/>
+              <a:rPr lang="en-US"/>
               <a:t>Second level</a:t>
             </a:r>
           </a:p>
           <a:p>
             <a:pPr lvl="2"/>
             <a:r>
-              <a:rPr lang="en-US" smtClean="0"/>
+              <a:rPr lang="en-US"/>
               <a:t>Third level</a:t>
             </a:r>
           </a:p>
           <a:p>
             <a:pPr lvl="3"/>
             <a:r>
-              <a:rPr lang="en-US" smtClean="0"/>
+              <a:rPr lang="en-US"/>
               <a:t>Fourth level</a:t>
             </a:r>
           </a:p>
           <a:p>
             <a:pPr lvl="4"/>
             <a:r>
-              <a:rPr lang="en-US" smtClean="0"/>
+              <a:rPr lang="en-US"/>
               <a:t>Fifth level</a:t>
             </a:r>
-            <a:endParaRPr lang="en-US"/>
           </a:p>
         </p:txBody>
       </p:sp>
@@ -1236,7 +1230,7 @@
           <a:p>
             <a:fld id="{84409471-AC0A-4B17-A7CA-672B2B572DF1}" type="datetimeFigureOut">
               <a:rPr lang="en-US" smtClean="0"/>
-              <a:t>4/17/2018</a:t>
+              <a:t>7/2/2018</a:t>
             </a:fld>
             <a:endParaRPr lang="en-US"/>
           </a:p>
@@ -1335,10 +1329,9 @@
           <a:lstStyle/>
           <a:p>
             <a:r>
-              <a:rPr lang="en-US" smtClean="0"/>
+              <a:rPr lang="en-US"/>
               <a:t>Click to edit Master title style</a:t>
             </a:r>
-            <a:endParaRPr lang="en-US"/>
           </a:p>
         </p:txBody>
       </p:sp>
@@ -1401,7 +1394,7 @@
           <a:p>
             <a:pPr lvl="0"/>
             <a:r>
-              <a:rPr lang="en-US" smtClean="0"/>
+              <a:rPr lang="en-US"/>
               <a:t>Click to edit Master text styles</a:t>
             </a:r>
           </a:p>
@@ -1429,38 +1422,37 @@
           <a:p>
             <a:pPr lvl="0"/>
             <a:r>
-              <a:rPr lang="en-US" smtClean="0"/>
+              <a:rPr lang="en-US"/>
               <a:t>Click to edit Master text styles</a:t>
             </a:r>
           </a:p>
           <a:p>
             <a:pPr lvl="1"/>
             <a:r>
-              <a:rPr lang="en-US" smtClean="0"/>
+              <a:rPr lang="en-US"/>
               <a:t>Second level</a:t>
             </a:r>
           </a:p>
           <a:p>
             <a:pPr lvl="2"/>
             <a:r>
-              <a:rPr lang="en-US" smtClean="0"/>
+              <a:rPr lang="en-US"/>
               <a:t>Third level</a:t>
             </a:r>
           </a:p>
           <a:p>
             <a:pPr lvl="3"/>
             <a:r>
-              <a:rPr lang="en-US" smtClean="0"/>
+              <a:rPr lang="en-US"/>
               <a:t>Fourth level</a:t>
             </a:r>
           </a:p>
           <a:p>
             <a:pPr lvl="4"/>
             <a:r>
-              <a:rPr lang="en-US" smtClean="0"/>
+              <a:rPr lang="en-US"/>
               <a:t>Fifth level</a:t>
             </a:r>
-            <a:endParaRPr lang="en-US"/>
           </a:p>
         </p:txBody>
       </p:sp>
@@ -1523,7 +1515,7 @@
           <a:p>
             <a:pPr lvl="0"/>
             <a:r>
-              <a:rPr lang="en-US" smtClean="0"/>
+              <a:rPr lang="en-US"/>
               <a:t>Click to edit Master text styles</a:t>
             </a:r>
           </a:p>
@@ -1551,38 +1543,37 @@
           <a:p>
             <a:pPr lvl="0"/>
             <a:r>
-              <a:rPr lang="en-US" smtClean="0"/>
+              <a:rPr lang="en-US"/>
               <a:t>Click to edit Master text styles</a:t>
             </a:r>
           </a:p>
           <a:p>
             <a:pPr lvl="1"/>
             <a:r>
-              <a:rPr lang="en-US" smtClean="0"/>
+              <a:rPr lang="en-US"/>
               <a:t>Second level</a:t>
             </a:r>
           </a:p>
           <a:p>
             <a:pPr lvl="2"/>
             <a:r>
-              <a:rPr lang="en-US" smtClean="0"/>
+              <a:rPr lang="en-US"/>
               <a:t>Third level</a:t>
             </a:r>
           </a:p>
           <a:p>
             <a:pPr lvl="3"/>
             <a:r>
-              <a:rPr lang="en-US" smtClean="0"/>
+              <a:rPr lang="en-US"/>
               <a:t>Fourth level</a:t>
             </a:r>
           </a:p>
           <a:p>
             <a:pPr lvl="4"/>
             <a:r>
-              <a:rPr lang="en-US" smtClean="0"/>
+              <a:rPr lang="en-US"/>
               <a:t>Fifth level</a:t>
             </a:r>
-            <a:endParaRPr lang="en-US"/>
           </a:p>
         </p:txBody>
       </p:sp>
@@ -1603,7 +1594,7 @@
           <a:p>
             <a:fld id="{84409471-AC0A-4B17-A7CA-672B2B572DF1}" type="datetimeFigureOut">
               <a:rPr lang="en-US" smtClean="0"/>
-              <a:t>4/17/2018</a:t>
+              <a:t>7/2/2018</a:t>
             </a:fld>
             <a:endParaRPr lang="en-US"/>
           </a:p>
@@ -1697,10 +1688,9 @@
           <a:lstStyle/>
           <a:p>
             <a:r>
-              <a:rPr lang="en-US" smtClean="0"/>
+              <a:rPr lang="en-US"/>
               <a:t>Click to edit Master title style</a:t>
             </a:r>
-            <a:endParaRPr lang="en-US"/>
           </a:p>
         </p:txBody>
       </p:sp>
@@ -1721,7 +1711,7 @@
           <a:p>
             <a:fld id="{84409471-AC0A-4B17-A7CA-672B2B572DF1}" type="datetimeFigureOut">
               <a:rPr lang="en-US" smtClean="0"/>
-              <a:t>4/17/2018</a:t>
+              <a:t>7/2/2018</a:t>
             </a:fld>
             <a:endParaRPr lang="en-US"/>
           </a:p>
@@ -1816,7 +1806,7 @@
           <a:p>
             <a:fld id="{84409471-AC0A-4B17-A7CA-672B2B572DF1}" type="datetimeFigureOut">
               <a:rPr lang="en-US" smtClean="0"/>
-              <a:t>4/17/2018</a:t>
+              <a:t>7/2/2018</a:t>
             </a:fld>
             <a:endParaRPr lang="en-US"/>
           </a:p>
@@ -1919,10 +1909,9 @@
           </a:lstStyle>
           <a:p>
             <a:r>
-              <a:rPr lang="en-US" smtClean="0"/>
+              <a:rPr lang="en-US"/>
               <a:t>Click to edit Master title style</a:t>
             </a:r>
-            <a:endParaRPr lang="en-US"/>
           </a:p>
         </p:txBody>
       </p:sp>
@@ -1976,38 +1965,37 @@
           <a:p>
             <a:pPr lvl="0"/>
             <a:r>
-              <a:rPr lang="en-US" smtClean="0"/>
+              <a:rPr lang="en-US"/>
               <a:t>Click to edit Master text styles</a:t>
             </a:r>
           </a:p>
           <a:p>
             <a:pPr lvl="1"/>
             <a:r>
-              <a:rPr lang="en-US" smtClean="0"/>
+              <a:rPr lang="en-US"/>
               <a:t>Second level</a:t>
             </a:r>
           </a:p>
           <a:p>
             <a:pPr lvl="2"/>
             <a:r>
-              <a:rPr lang="en-US" smtClean="0"/>
+              <a:rPr lang="en-US"/>
               <a:t>Third level</a:t>
             </a:r>
           </a:p>
           <a:p>
             <a:pPr lvl="3"/>
             <a:r>
-              <a:rPr lang="en-US" smtClean="0"/>
+              <a:rPr lang="en-US"/>
               <a:t>Fourth level</a:t>
             </a:r>
           </a:p>
           <a:p>
             <a:pPr lvl="4"/>
             <a:r>
-              <a:rPr lang="en-US" smtClean="0"/>
+              <a:rPr lang="en-US"/>
               <a:t>Fifth level</a:t>
             </a:r>
-            <a:endParaRPr lang="en-US"/>
           </a:p>
         </p:txBody>
       </p:sp>
@@ -2070,7 +2058,7 @@
           <a:p>
             <a:pPr lvl="0"/>
             <a:r>
-              <a:rPr lang="en-US" smtClean="0"/>
+              <a:rPr lang="en-US"/>
               <a:t>Click to edit Master text styles</a:t>
             </a:r>
           </a:p>
@@ -2093,7 +2081,7 @@
           <a:p>
             <a:fld id="{84409471-AC0A-4B17-A7CA-672B2B572DF1}" type="datetimeFigureOut">
               <a:rPr lang="en-US" smtClean="0"/>
-              <a:t>4/17/2018</a:t>
+              <a:t>7/2/2018</a:t>
             </a:fld>
             <a:endParaRPr lang="en-US"/>
           </a:p>
@@ -2196,10 +2184,9 @@
           </a:lstStyle>
           <a:p>
             <a:r>
-              <a:rPr lang="en-US" smtClean="0"/>
+              <a:rPr lang="en-US"/>
               <a:t>Click to edit Master title style</a:t>
             </a:r>
-            <a:endParaRPr lang="en-US"/>
           </a:p>
         </p:txBody>
       </p:sp>
@@ -2323,7 +2310,7 @@
           <a:p>
             <a:pPr lvl="0"/>
             <a:r>
-              <a:rPr lang="en-US" smtClean="0"/>
+              <a:rPr lang="en-US"/>
               <a:t>Click to edit Master text styles</a:t>
             </a:r>
           </a:p>
@@ -2346,7 +2333,7 @@
           <a:p>
             <a:fld id="{84409471-AC0A-4B17-A7CA-672B2B572DF1}" type="datetimeFigureOut">
               <a:rPr lang="en-US" smtClean="0"/>
-              <a:t>4/17/2018</a:t>
+              <a:t>7/2/2018</a:t>
             </a:fld>
             <a:endParaRPr lang="en-US"/>
           </a:p>
@@ -2455,10 +2442,9 @@
           <a:lstStyle/>
           <a:p>
             <a:r>
-              <a:rPr lang="en-US" smtClean="0"/>
+              <a:rPr lang="en-US"/>
               <a:t>Click to edit Master title style</a:t>
             </a:r>
-            <a:endParaRPr lang="en-US"/>
           </a:p>
         </p:txBody>
       </p:sp>
@@ -2489,38 +2475,37 @@
           <a:p>
             <a:pPr lvl="0"/>
             <a:r>
-              <a:rPr lang="en-US" smtClean="0"/>
+              <a:rPr lang="en-US"/>
               <a:t>Click to edit Master text styles</a:t>
             </a:r>
           </a:p>
           <a:p>
             <a:pPr lvl="1"/>
             <a:r>
-              <a:rPr lang="en-US" smtClean="0"/>
+              <a:rPr lang="en-US"/>
               <a:t>Second level</a:t>
             </a:r>
           </a:p>
           <a:p>
             <a:pPr lvl="2"/>
             <a:r>
-              <a:rPr lang="en-US" smtClean="0"/>
+              <a:rPr lang="en-US"/>
               <a:t>Third level</a:t>
             </a:r>
           </a:p>
           <a:p>
             <a:pPr lvl="3"/>
             <a:r>
-              <a:rPr lang="en-US" smtClean="0"/>
+              <a:rPr lang="en-US"/>
               <a:t>Fourth level</a:t>
             </a:r>
           </a:p>
           <a:p>
             <a:pPr lvl="4"/>
             <a:r>
-              <a:rPr lang="en-US" smtClean="0"/>
+              <a:rPr lang="en-US"/>
               <a:t>Fifth level</a:t>
             </a:r>
-            <a:endParaRPr lang="en-US"/>
           </a:p>
         </p:txBody>
       </p:sp>
@@ -2559,7 +2544,7 @@
           <a:p>
             <a:fld id="{84409471-AC0A-4B17-A7CA-672B2B572DF1}" type="datetimeFigureOut">
               <a:rPr lang="en-US" smtClean="0"/>
-              <a:t>4/17/2018</a:t>
+              <a:t>7/2/2018</a:t>
             </a:fld>
             <a:endParaRPr lang="en-US"/>
           </a:p>
@@ -2973,7 +2958,7 @@
           <p:nvPr>
             <p:extLst>
               <p:ext uri="{D42A27DB-BD31-4B8C-83A1-F6EECF244321}">
-                <p14:modId xmlns:p14="http://schemas.microsoft.com/office/powerpoint/2010/main" val="2058851745"/>
+                <p14:modId xmlns:p14="http://schemas.microsoft.com/office/powerpoint/2010/main" val="2819796941"/>
               </p:ext>
             </p:extLst>
           </p:nvPr>
@@ -2989,12 +2974,48 @@
                 <a:tableStyleId>{5940675A-B579-460E-94D1-54222C63F5DA}</a:tableStyleId>
               </a:tblPr>
               <a:tblGrid>
-                <a:gridCol w="2144468"/>
-                <a:gridCol w="1123016"/>
-                <a:gridCol w="1123016"/>
-                <a:gridCol w="1123016"/>
-                <a:gridCol w="1123016"/>
-                <a:gridCol w="1123016"/>
+                <a:gridCol w="2144468">
+                  <a:extLst>
+                    <a:ext uri="{9D8B030D-6E8A-4147-A177-3AD203B41FA5}">
+                      <a16:colId xmlns:a16="http://schemas.microsoft.com/office/drawing/2014/main" val="20000"/>
+                    </a:ext>
+                  </a:extLst>
+                </a:gridCol>
+                <a:gridCol w="1123016">
+                  <a:extLst>
+                    <a:ext uri="{9D8B030D-6E8A-4147-A177-3AD203B41FA5}">
+                      <a16:colId xmlns:a16="http://schemas.microsoft.com/office/drawing/2014/main" val="20001"/>
+                    </a:ext>
+                  </a:extLst>
+                </a:gridCol>
+                <a:gridCol w="1123016">
+                  <a:extLst>
+                    <a:ext uri="{9D8B030D-6E8A-4147-A177-3AD203B41FA5}">
+                      <a16:colId xmlns:a16="http://schemas.microsoft.com/office/drawing/2014/main" val="20002"/>
+                    </a:ext>
+                  </a:extLst>
+                </a:gridCol>
+                <a:gridCol w="1123016">
+                  <a:extLst>
+                    <a:ext uri="{9D8B030D-6E8A-4147-A177-3AD203B41FA5}">
+                      <a16:colId xmlns:a16="http://schemas.microsoft.com/office/drawing/2014/main" val="20003"/>
+                    </a:ext>
+                  </a:extLst>
+                </a:gridCol>
+                <a:gridCol w="1123016">
+                  <a:extLst>
+                    <a:ext uri="{9D8B030D-6E8A-4147-A177-3AD203B41FA5}">
+                      <a16:colId xmlns:a16="http://schemas.microsoft.com/office/drawing/2014/main" val="20004"/>
+                    </a:ext>
+                  </a:extLst>
+                </a:gridCol>
+                <a:gridCol w="1123016">
+                  <a:extLst>
+                    <a:ext uri="{9D8B030D-6E8A-4147-A177-3AD203B41FA5}">
+                      <a16:colId xmlns:a16="http://schemas.microsoft.com/office/drawing/2014/main" val="20005"/>
+                    </a:ext>
+                  </a:extLst>
+                </a:gridCol>
               </a:tblGrid>
               <a:tr h="492754">
                 <a:tc>
@@ -3003,7 +3024,7 @@
                     <a:lstStyle/>
                     <a:p>
                       <a:r>
-                        <a:rPr lang="en-ID" dirty="0" err="1" smtClean="0">
+                        <a:rPr lang="en-ID" dirty="0" err="1">
                           <a:latin typeface="Times New Roman" panose="02020603050405020304" pitchFamily="18" charset="0"/>
                           <a:cs typeface="Times New Roman" panose="02020603050405020304" pitchFamily="18" charset="0"/>
                         </a:rPr>
@@ -3024,7 +3045,7 @@
                     <a:p>
                       <a:pPr algn="ctr"/>
                       <a:r>
-                        <a:rPr lang="en-ID" dirty="0" smtClean="0">
+                        <a:rPr lang="en-ID" dirty="0">
                           <a:latin typeface="Times New Roman" panose="02020603050405020304" pitchFamily="18" charset="0"/>
                           <a:cs typeface="Times New Roman" panose="02020603050405020304" pitchFamily="18" charset="0"/>
                         </a:rPr>
@@ -3045,7 +3066,7 @@
                     <a:p>
                       <a:pPr algn="ctr"/>
                       <a:r>
-                        <a:rPr lang="en-ID" dirty="0" smtClean="0">
+                        <a:rPr lang="en-ID" dirty="0">
                           <a:latin typeface="Times New Roman" panose="02020603050405020304" pitchFamily="18" charset="0"/>
                           <a:cs typeface="Times New Roman" panose="02020603050405020304" pitchFamily="18" charset="0"/>
                         </a:rPr>
@@ -3066,7 +3087,7 @@
                     <a:p>
                       <a:pPr algn="ctr"/>
                       <a:r>
-                        <a:rPr lang="en-ID" dirty="0" smtClean="0">
+                        <a:rPr lang="en-ID" dirty="0">
                           <a:latin typeface="Times New Roman" panose="02020603050405020304" pitchFamily="18" charset="0"/>
                           <a:cs typeface="Times New Roman" panose="02020603050405020304" pitchFamily="18" charset="0"/>
                         </a:rPr>
@@ -3087,7 +3108,7 @@
                     <a:p>
                       <a:pPr algn="ctr"/>
                       <a:r>
-                        <a:rPr lang="en-ID" dirty="0" smtClean="0">
+                        <a:rPr lang="en-ID" dirty="0">
                           <a:latin typeface="Times New Roman" panose="02020603050405020304" pitchFamily="18" charset="0"/>
                           <a:cs typeface="Times New Roman" panose="02020603050405020304" pitchFamily="18" charset="0"/>
                         </a:rPr>
@@ -3108,7 +3129,7 @@
                     <a:p>
                       <a:pPr algn="ctr"/>
                       <a:r>
-                        <a:rPr lang="en-ID" dirty="0" smtClean="0">
+                        <a:rPr lang="en-ID" dirty="0">
                           <a:latin typeface="Times New Roman" panose="02020603050405020304" pitchFamily="18" charset="0"/>
                           <a:cs typeface="Times New Roman" panose="02020603050405020304" pitchFamily="18" charset="0"/>
                         </a:rPr>
@@ -3122,6 +3143,11 @@
                   </a:txBody>
                   <a:tcPr/>
                 </a:tc>
+                <a:extLst>
+                  <a:ext uri="{0D108BD9-81ED-4DB2-BD59-A6C34878D82A}">
+                    <a16:rowId xmlns:a16="http://schemas.microsoft.com/office/drawing/2014/main" val="10000"/>
+                  </a:ext>
+                </a:extLst>
               </a:tr>
               <a:tr h="492754">
                 <a:tc>
@@ -3130,21 +3156,21 @@
                     <a:lstStyle/>
                     <a:p>
                       <a:r>
-                        <a:rPr lang="en-ID" dirty="0" err="1" smtClean="0">
+                        <a:rPr lang="en-ID" dirty="0" err="1">
                           <a:latin typeface="Times New Roman" panose="02020603050405020304" pitchFamily="18" charset="0"/>
                           <a:cs typeface="Times New Roman" panose="02020603050405020304" pitchFamily="18" charset="0"/>
                         </a:rPr>
                         <a:t>Kompresi</a:t>
                       </a:r>
                       <a:r>
-                        <a:rPr lang="en-ID" dirty="0" smtClean="0">
+                        <a:rPr lang="en-ID" dirty="0">
                           <a:latin typeface="Times New Roman" panose="02020603050405020304" pitchFamily="18" charset="0"/>
                           <a:cs typeface="Times New Roman" panose="02020603050405020304" pitchFamily="18" charset="0"/>
                         </a:rPr>
                         <a:t> </a:t>
                       </a:r>
                       <a:r>
-                        <a:rPr lang="en-ID" i="1" dirty="0" smtClean="0">
+                        <a:rPr lang="en-ID" i="1" dirty="0">
                           <a:latin typeface="Times New Roman" panose="02020603050405020304" pitchFamily="18" charset="0"/>
                           <a:cs typeface="Times New Roman" panose="02020603050405020304" pitchFamily="18" charset="0"/>
                         </a:rPr>
@@ -3165,7 +3191,7 @@
                     <a:p>
                       <a:pPr algn="ctr"/>
                       <a:r>
-                        <a:rPr lang="en-ID" dirty="0" err="1" smtClean="0">
+                        <a:rPr lang="en-ID" dirty="0" err="1">
                           <a:latin typeface="Times New Roman" panose="02020603050405020304" pitchFamily="18" charset="0"/>
                           <a:cs typeface="Times New Roman" panose="02020603050405020304" pitchFamily="18" charset="0"/>
                         </a:rPr>
@@ -3186,7 +3212,7 @@
                     <a:p>
                       <a:pPr algn="ctr"/>
                       <a:r>
-                        <a:rPr lang="en-ID" dirty="0" err="1" smtClean="0">
+                        <a:rPr lang="en-ID" dirty="0" err="1">
                           <a:latin typeface="Times New Roman" panose="02020603050405020304" pitchFamily="18" charset="0"/>
                           <a:cs typeface="Times New Roman" panose="02020603050405020304" pitchFamily="18" charset="0"/>
                         </a:rPr>
@@ -3207,7 +3233,7 @@
                     <a:p>
                       <a:pPr algn="ctr"/>
                       <a:r>
-                        <a:rPr lang="en-ID" dirty="0" err="1" smtClean="0">
+                        <a:rPr lang="en-ID" dirty="0" err="1">
                           <a:latin typeface="Times New Roman" panose="02020603050405020304" pitchFamily="18" charset="0"/>
                           <a:cs typeface="Times New Roman" panose="02020603050405020304" pitchFamily="18" charset="0"/>
                         </a:rPr>
@@ -3228,7 +3254,7 @@
                     <a:p>
                       <a:pPr algn="ctr"/>
                       <a:r>
-                        <a:rPr lang="en-ID" dirty="0" err="1" smtClean="0">
+                        <a:rPr lang="en-ID" dirty="0" err="1">
                           <a:latin typeface="Times New Roman" panose="02020603050405020304" pitchFamily="18" charset="0"/>
                           <a:cs typeface="Times New Roman" panose="02020603050405020304" pitchFamily="18" charset="0"/>
                         </a:rPr>
@@ -3249,7 +3275,7 @@
                     <a:p>
                       <a:pPr algn="ctr"/>
                       <a:r>
-                        <a:rPr lang="en-ID" dirty="0" err="1" smtClean="0">
+                        <a:rPr lang="en-ID" dirty="0" err="1">
                           <a:latin typeface="Times New Roman" panose="02020603050405020304" pitchFamily="18" charset="0"/>
                           <a:cs typeface="Times New Roman" panose="02020603050405020304" pitchFamily="18" charset="0"/>
                         </a:rPr>
@@ -3263,6 +3289,11 @@
                   </a:txBody>
                   <a:tcPr/>
                 </a:tc>
+                <a:extLst>
+                  <a:ext uri="{0D108BD9-81ED-4DB2-BD59-A6C34878D82A}">
+                    <a16:rowId xmlns:a16="http://schemas.microsoft.com/office/drawing/2014/main" val="10001"/>
+                  </a:ext>
+                </a:extLst>
               </a:tr>
               <a:tr h="492754">
                 <a:tc>
@@ -3271,7 +3302,7 @@
                     <a:lstStyle/>
                     <a:p>
                       <a:r>
-                        <a:rPr lang="en-ID" i="1" dirty="0" smtClean="0">
+                        <a:rPr lang="en-ID" i="1" dirty="0">
                           <a:latin typeface="Times New Roman" panose="02020603050405020304" pitchFamily="18" charset="0"/>
                           <a:cs typeface="Times New Roman" panose="02020603050405020304" pitchFamily="18" charset="0"/>
                         </a:rPr>
@@ -3292,7 +3323,7 @@
                     <a:p>
                       <a:pPr algn="ctr"/>
                       <a:r>
-                        <a:rPr lang="en-ID" dirty="0" err="1" smtClean="0">
+                        <a:rPr lang="en-ID" dirty="0" err="1">
                           <a:latin typeface="Times New Roman" panose="02020603050405020304" pitchFamily="18" charset="0"/>
                           <a:cs typeface="Times New Roman" panose="02020603050405020304" pitchFamily="18" charset="0"/>
                         </a:rPr>
@@ -3313,7 +3344,7 @@
                     <a:p>
                       <a:pPr algn="ctr"/>
                       <a:r>
-                        <a:rPr lang="en-ID" dirty="0" err="1" smtClean="0">
+                        <a:rPr lang="en-ID" dirty="0" err="1">
                           <a:latin typeface="Times New Roman" panose="02020603050405020304" pitchFamily="18" charset="0"/>
                           <a:cs typeface="Times New Roman" panose="02020603050405020304" pitchFamily="18" charset="0"/>
                         </a:rPr>
@@ -3334,7 +3365,7 @@
                     <a:p>
                       <a:pPr algn="ctr"/>
                       <a:r>
-                        <a:rPr lang="en-ID" dirty="0" err="1" smtClean="0">
+                        <a:rPr lang="en-ID" dirty="0" err="1">
                           <a:latin typeface="Times New Roman" panose="02020603050405020304" pitchFamily="18" charset="0"/>
                           <a:cs typeface="Times New Roman" panose="02020603050405020304" pitchFamily="18" charset="0"/>
                         </a:rPr>
@@ -3355,7 +3386,7 @@
                     <a:p>
                       <a:pPr algn="ctr"/>
                       <a:r>
-                        <a:rPr lang="en-ID" dirty="0" err="1" smtClean="0">
+                        <a:rPr lang="en-ID" dirty="0" err="1">
                           <a:latin typeface="Times New Roman" panose="02020603050405020304" pitchFamily="18" charset="0"/>
                           <a:cs typeface="Times New Roman" panose="02020603050405020304" pitchFamily="18" charset="0"/>
                         </a:rPr>
@@ -3376,7 +3407,7 @@
                     <a:p>
                       <a:pPr algn="ctr"/>
                       <a:r>
-                        <a:rPr lang="en-ID" dirty="0" err="1" smtClean="0">
+                        <a:rPr lang="en-ID" dirty="0" err="1">
                           <a:latin typeface="Times New Roman" panose="02020603050405020304" pitchFamily="18" charset="0"/>
                           <a:cs typeface="Times New Roman" panose="02020603050405020304" pitchFamily="18" charset="0"/>
                         </a:rPr>
@@ -3390,6 +3421,11 @@
                   </a:txBody>
                   <a:tcPr/>
                 </a:tc>
+                <a:extLst>
+                  <a:ext uri="{0D108BD9-81ED-4DB2-BD59-A6C34878D82A}">
+                    <a16:rowId xmlns:a16="http://schemas.microsoft.com/office/drawing/2014/main" val="10002"/>
+                  </a:ext>
+                </a:extLst>
               </a:tr>
               <a:tr h="492754">
                 <a:tc>
@@ -3398,7 +3434,7 @@
                     <a:lstStyle/>
                     <a:p>
                       <a:r>
-                        <a:rPr lang="en-ID" dirty="0" smtClean="0">
+                        <a:rPr lang="en-ID" dirty="0">
                           <a:latin typeface="Times New Roman" panose="02020603050405020304" pitchFamily="18" charset="0"/>
                           <a:cs typeface="Times New Roman" panose="02020603050405020304" pitchFamily="18" charset="0"/>
                         </a:rPr>
@@ -3419,11 +3455,11 @@
                     <a:p>
                       <a:pPr algn="ctr"/>
                       <a:r>
-                        <a:rPr lang="en-ID" dirty="0" err="1" smtClean="0">
-                          <a:latin typeface="Times New Roman" panose="02020603050405020304" pitchFamily="18" charset="0"/>
-                          <a:cs typeface="Times New Roman" panose="02020603050405020304" pitchFamily="18" charset="0"/>
-                        </a:rPr>
-                        <a:t>Terbatas</a:t>
+                        <a:rPr lang="id-ID" dirty="0">
+                          <a:latin typeface="Times New Roman" panose="02020603050405020304" pitchFamily="18" charset="0"/>
+                          <a:cs typeface="Times New Roman" panose="02020603050405020304" pitchFamily="18" charset="0"/>
+                        </a:rPr>
+                        <a:t>Ya</a:t>
                       </a:r>
                       <a:endParaRPr lang="en-US" dirty="0">
                         <a:latin typeface="Times New Roman" panose="02020603050405020304" pitchFamily="18" charset="0"/>
@@ -3440,7 +3476,7 @@
                     <a:p>
                       <a:pPr algn="ctr"/>
                       <a:r>
-                        <a:rPr lang="en-ID" dirty="0" err="1" smtClean="0">
+                        <a:rPr lang="en-ID" dirty="0" err="1">
                           <a:latin typeface="Times New Roman" panose="02020603050405020304" pitchFamily="18" charset="0"/>
                           <a:cs typeface="Times New Roman" panose="02020603050405020304" pitchFamily="18" charset="0"/>
                         </a:rPr>
@@ -3461,7 +3497,7 @@
                     <a:p>
                       <a:pPr algn="ctr"/>
                       <a:r>
-                        <a:rPr lang="en-ID" dirty="0" err="1" smtClean="0">
+                        <a:rPr lang="en-ID" dirty="0" err="1">
                           <a:latin typeface="Times New Roman" panose="02020603050405020304" pitchFamily="18" charset="0"/>
                           <a:cs typeface="Times New Roman" panose="02020603050405020304" pitchFamily="18" charset="0"/>
                         </a:rPr>
@@ -3482,7 +3518,7 @@
                     <a:p>
                       <a:pPr algn="ctr"/>
                       <a:r>
-                        <a:rPr lang="en-ID" dirty="0" err="1" smtClean="0">
+                        <a:rPr lang="en-ID" dirty="0" err="1">
                           <a:latin typeface="Times New Roman" panose="02020603050405020304" pitchFamily="18" charset="0"/>
                           <a:cs typeface="Times New Roman" panose="02020603050405020304" pitchFamily="18" charset="0"/>
                         </a:rPr>
@@ -3503,7 +3539,7 @@
                     <a:p>
                       <a:pPr algn="ctr"/>
                       <a:r>
-                        <a:rPr lang="en-ID" dirty="0" err="1" smtClean="0">
+                        <a:rPr lang="en-ID" dirty="0" err="1">
                           <a:latin typeface="Times New Roman" panose="02020603050405020304" pitchFamily="18" charset="0"/>
                           <a:cs typeface="Times New Roman" panose="02020603050405020304" pitchFamily="18" charset="0"/>
                         </a:rPr>
@@ -3517,6 +3553,11 @@
                   </a:txBody>
                   <a:tcPr/>
                 </a:tc>
+                <a:extLst>
+                  <a:ext uri="{0D108BD9-81ED-4DB2-BD59-A6C34878D82A}">
+                    <a16:rowId xmlns:a16="http://schemas.microsoft.com/office/drawing/2014/main" val="10003"/>
+                  </a:ext>
+                </a:extLst>
               </a:tr>
               <a:tr h="492754">
                 <a:tc>
@@ -3525,28 +3566,28 @@
                     <a:lstStyle/>
                     <a:p>
                       <a:r>
-                        <a:rPr lang="en-ID" dirty="0" smtClean="0">
+                        <a:rPr lang="en-ID" dirty="0">
                           <a:latin typeface="Times New Roman" panose="02020603050405020304" pitchFamily="18" charset="0"/>
                           <a:cs typeface="Times New Roman" panose="02020603050405020304" pitchFamily="18" charset="0"/>
                         </a:rPr>
                         <a:t>Index </a:t>
                       </a:r>
                       <a:r>
-                        <a:rPr lang="en-ID" dirty="0" err="1" smtClean="0">
+                        <a:rPr lang="en-ID" dirty="0" err="1">
                           <a:latin typeface="Times New Roman" panose="02020603050405020304" pitchFamily="18" charset="0"/>
                           <a:cs typeface="Times New Roman" panose="02020603050405020304" pitchFamily="18" charset="0"/>
                         </a:rPr>
                         <a:t>Pilihan</a:t>
                       </a:r>
                       <a:r>
-                        <a:rPr lang="en-ID" dirty="0" smtClean="0">
+                        <a:rPr lang="en-ID" dirty="0">
                           <a:latin typeface="Times New Roman" panose="02020603050405020304" pitchFamily="18" charset="0"/>
                           <a:cs typeface="Times New Roman" panose="02020603050405020304" pitchFamily="18" charset="0"/>
                         </a:rPr>
                         <a:t> </a:t>
                       </a:r>
                       <a:r>
-                        <a:rPr lang="en-ID" dirty="0" err="1" smtClean="0">
+                        <a:rPr lang="en-ID" dirty="0" err="1">
                           <a:latin typeface="Times New Roman" panose="02020603050405020304" pitchFamily="18" charset="0"/>
                           <a:cs typeface="Times New Roman" panose="02020603050405020304" pitchFamily="18" charset="0"/>
                         </a:rPr>
@@ -3567,7 +3608,7 @@
                     <a:p>
                       <a:pPr algn="ctr"/>
                       <a:r>
-                        <a:rPr lang="en-ID" dirty="0" err="1" smtClean="0">
+                        <a:rPr lang="en-ID" dirty="0" err="1">
                           <a:latin typeface="Times New Roman" panose="02020603050405020304" pitchFamily="18" charset="0"/>
                           <a:cs typeface="Times New Roman" panose="02020603050405020304" pitchFamily="18" charset="0"/>
                         </a:rPr>
@@ -3588,7 +3629,7 @@
                     <a:p>
                       <a:pPr algn="ctr"/>
                       <a:r>
-                        <a:rPr lang="en-ID" dirty="0" err="1" smtClean="0">
+                        <a:rPr lang="en-ID" dirty="0" err="1">
                           <a:latin typeface="Times New Roman" panose="02020603050405020304" pitchFamily="18" charset="0"/>
                           <a:cs typeface="Times New Roman" panose="02020603050405020304" pitchFamily="18" charset="0"/>
                         </a:rPr>
@@ -3609,7 +3650,7 @@
                     <a:p>
                       <a:pPr algn="ctr"/>
                       <a:r>
-                        <a:rPr lang="en-ID" dirty="0" err="1" smtClean="0">
+                        <a:rPr lang="en-ID" dirty="0" err="1">
                           <a:latin typeface="Times New Roman" panose="02020603050405020304" pitchFamily="18" charset="0"/>
                           <a:cs typeface="Times New Roman" panose="02020603050405020304" pitchFamily="18" charset="0"/>
                         </a:rPr>
@@ -3630,7 +3671,7 @@
                     <a:p>
                       <a:pPr algn="ctr"/>
                       <a:r>
-                        <a:rPr lang="en-ID" dirty="0" err="1" smtClean="0">
+                        <a:rPr lang="en-ID" dirty="0" err="1">
                           <a:latin typeface="Times New Roman" panose="02020603050405020304" pitchFamily="18" charset="0"/>
                           <a:cs typeface="Times New Roman" panose="02020603050405020304" pitchFamily="18" charset="0"/>
                         </a:rPr>
@@ -3651,7 +3692,7 @@
                     <a:p>
                       <a:pPr algn="ctr"/>
                       <a:r>
-                        <a:rPr lang="en-ID" dirty="0" err="1" smtClean="0">
+                        <a:rPr lang="en-ID" dirty="0" err="1">
                           <a:latin typeface="Times New Roman" panose="02020603050405020304" pitchFamily="18" charset="0"/>
                           <a:cs typeface="Times New Roman" panose="02020603050405020304" pitchFamily="18" charset="0"/>
                         </a:rPr>
@@ -3665,6 +3706,11 @@
                   </a:txBody>
                   <a:tcPr/>
                 </a:tc>
+                <a:extLst>
+                  <a:ext uri="{0D108BD9-81ED-4DB2-BD59-A6C34878D82A}">
+                    <a16:rowId xmlns:a16="http://schemas.microsoft.com/office/drawing/2014/main" val="10004"/>
+                  </a:ext>
+                </a:extLst>
               </a:tr>
               <a:tr h="492754">
                 <a:tc>
@@ -3673,7 +3719,7 @@
                     <a:lstStyle/>
                     <a:p>
                       <a:r>
-                        <a:rPr lang="en-ID" dirty="0" err="1" smtClean="0">
+                        <a:rPr lang="en-ID" dirty="0" err="1">
                           <a:latin typeface="Times New Roman" panose="02020603050405020304" pitchFamily="18" charset="0"/>
                           <a:cs typeface="Times New Roman" panose="02020603050405020304" pitchFamily="18" charset="0"/>
                         </a:rPr>
@@ -3694,7 +3740,7 @@
                     <a:p>
                       <a:pPr algn="ctr"/>
                       <a:r>
-                        <a:rPr lang="en-ID" dirty="0" err="1" smtClean="0">
+                        <a:rPr lang="en-ID" dirty="0" err="1">
                           <a:latin typeface="Times New Roman" panose="02020603050405020304" pitchFamily="18" charset="0"/>
                           <a:cs typeface="Times New Roman" panose="02020603050405020304" pitchFamily="18" charset="0"/>
                         </a:rPr>
@@ -3715,7 +3761,7 @@
                     <a:p>
                       <a:pPr algn="ctr"/>
                       <a:r>
-                        <a:rPr lang="en-ID" dirty="0" err="1" smtClean="0">
+                        <a:rPr lang="en-ID" dirty="0" err="1">
                           <a:latin typeface="Times New Roman" panose="02020603050405020304" pitchFamily="18" charset="0"/>
                           <a:cs typeface="Times New Roman" panose="02020603050405020304" pitchFamily="18" charset="0"/>
                         </a:rPr>
@@ -3736,7 +3782,7 @@
                     <a:p>
                       <a:pPr algn="ctr"/>
                       <a:r>
-                        <a:rPr lang="en-ID" dirty="0" err="1" smtClean="0">
+                        <a:rPr lang="en-ID" dirty="0" err="1">
                           <a:latin typeface="Times New Roman" panose="02020603050405020304" pitchFamily="18" charset="0"/>
                           <a:cs typeface="Times New Roman" panose="02020603050405020304" pitchFamily="18" charset="0"/>
                         </a:rPr>
@@ -3757,7 +3803,7 @@
                     <a:p>
                       <a:pPr algn="ctr"/>
                       <a:r>
-                        <a:rPr lang="en-ID" dirty="0" err="1" smtClean="0">
+                        <a:rPr lang="en-ID" dirty="0" err="1">
                           <a:latin typeface="Times New Roman" panose="02020603050405020304" pitchFamily="18" charset="0"/>
                           <a:cs typeface="Times New Roman" panose="02020603050405020304" pitchFamily="18" charset="0"/>
                         </a:rPr>
@@ -3778,7 +3824,7 @@
                     <a:p>
                       <a:pPr algn="ctr"/>
                       <a:r>
-                        <a:rPr lang="en-US" dirty="0" err="1" smtClean="0">
+                        <a:rPr lang="en-US" dirty="0" err="1">
                           <a:latin typeface="Times New Roman" panose="02020603050405020304" pitchFamily="18" charset="0"/>
                           <a:cs typeface="Times New Roman" panose="02020603050405020304" pitchFamily="18" charset="0"/>
                         </a:rPr>
@@ -3792,6 +3838,11 @@
                   </a:txBody>
                   <a:tcPr/>
                 </a:tc>
+                <a:extLst>
+                  <a:ext uri="{0D108BD9-81ED-4DB2-BD59-A6C34878D82A}">
+                    <a16:rowId xmlns:a16="http://schemas.microsoft.com/office/drawing/2014/main" val="10005"/>
+                  </a:ext>
+                </a:extLst>
               </a:tr>
               <a:tr h="492754">
                 <a:tc>
@@ -3800,21 +3851,21 @@
                     <a:lstStyle/>
                     <a:p>
                       <a:r>
-                        <a:rPr lang="en-ID" dirty="0" err="1" smtClean="0">
+                        <a:rPr lang="en-ID" dirty="0" err="1">
                           <a:latin typeface="Times New Roman" panose="02020603050405020304" pitchFamily="18" charset="0"/>
                           <a:cs typeface="Times New Roman" panose="02020603050405020304" pitchFamily="18" charset="0"/>
                         </a:rPr>
                         <a:t>Pilihan</a:t>
                       </a:r>
                       <a:r>
-                        <a:rPr lang="en-ID" dirty="0" smtClean="0">
+                        <a:rPr lang="en-ID" dirty="0">
                           <a:latin typeface="Times New Roman" panose="02020603050405020304" pitchFamily="18" charset="0"/>
                           <a:cs typeface="Times New Roman" panose="02020603050405020304" pitchFamily="18" charset="0"/>
                         </a:rPr>
                         <a:t> </a:t>
                       </a:r>
                       <a:r>
-                        <a:rPr lang="en-ID" dirty="0" err="1" smtClean="0">
+                        <a:rPr lang="en-ID" dirty="0" err="1">
                           <a:latin typeface="Times New Roman" panose="02020603050405020304" pitchFamily="18" charset="0"/>
                           <a:cs typeface="Times New Roman" panose="02020603050405020304" pitchFamily="18" charset="0"/>
                         </a:rPr>
@@ -3835,7 +3886,7 @@
                     <a:p>
                       <a:pPr algn="ctr"/>
                       <a:r>
-                        <a:rPr lang="en-ID" dirty="0" err="1" smtClean="0">
+                        <a:rPr lang="en-ID" dirty="0" err="1">
                           <a:latin typeface="Times New Roman" panose="02020603050405020304" pitchFamily="18" charset="0"/>
                           <a:cs typeface="Times New Roman" panose="02020603050405020304" pitchFamily="18" charset="0"/>
                         </a:rPr>
@@ -3856,7 +3907,7 @@
                     <a:p>
                       <a:pPr algn="ctr"/>
                       <a:r>
-                        <a:rPr lang="en-ID" dirty="0" err="1" smtClean="0">
+                        <a:rPr lang="en-ID" dirty="0" err="1">
                           <a:latin typeface="Times New Roman" panose="02020603050405020304" pitchFamily="18" charset="0"/>
                           <a:cs typeface="Times New Roman" panose="02020603050405020304" pitchFamily="18" charset="0"/>
                         </a:rPr>
@@ -3877,7 +3928,7 @@
                     <a:p>
                       <a:pPr algn="ctr"/>
                       <a:r>
-                        <a:rPr lang="en-ID" dirty="0" err="1" smtClean="0">
+                        <a:rPr lang="en-ID" dirty="0" err="1">
                           <a:latin typeface="Times New Roman" panose="02020603050405020304" pitchFamily="18" charset="0"/>
                           <a:cs typeface="Times New Roman" panose="02020603050405020304" pitchFamily="18" charset="0"/>
                         </a:rPr>
@@ -3898,7 +3949,7 @@
                     <a:p>
                       <a:pPr algn="ctr"/>
                       <a:r>
-                        <a:rPr lang="en-ID" dirty="0" err="1" smtClean="0">
+                        <a:rPr lang="en-ID" dirty="0" err="1">
                           <a:latin typeface="Times New Roman" panose="02020603050405020304" pitchFamily="18" charset="0"/>
                           <a:cs typeface="Times New Roman" panose="02020603050405020304" pitchFamily="18" charset="0"/>
                         </a:rPr>
@@ -3919,7 +3970,7 @@
                     <a:p>
                       <a:pPr algn="ctr"/>
                       <a:r>
-                        <a:rPr lang="en-ID" dirty="0" err="1" smtClean="0">
+                        <a:rPr lang="en-ID" dirty="0" err="1">
                           <a:latin typeface="Times New Roman" panose="02020603050405020304" pitchFamily="18" charset="0"/>
                           <a:cs typeface="Times New Roman" panose="02020603050405020304" pitchFamily="18" charset="0"/>
                         </a:rPr>
@@ -3933,6 +3984,11 @@
                   </a:txBody>
                   <a:tcPr/>
                 </a:tc>
+                <a:extLst>
+                  <a:ext uri="{0D108BD9-81ED-4DB2-BD59-A6C34878D82A}">
+                    <a16:rowId xmlns:a16="http://schemas.microsoft.com/office/drawing/2014/main" val="10006"/>
+                  </a:ext>
+                </a:extLst>
               </a:tr>
               <a:tr h="492754">
                 <a:tc>
@@ -3941,14 +3997,14 @@
                     <a:lstStyle/>
                     <a:p>
                       <a:r>
-                        <a:rPr lang="en-ID" i="1" dirty="0" err="1" smtClean="0">
+                        <a:rPr lang="en-ID" i="1" dirty="0" err="1">
                           <a:latin typeface="Times New Roman" panose="02020603050405020304" pitchFamily="18" charset="0"/>
                           <a:cs typeface="Times New Roman" panose="02020603050405020304" pitchFamily="18" charset="0"/>
                         </a:rPr>
                         <a:t>Color</a:t>
                       </a:r>
                       <a:r>
-                        <a:rPr lang="en-ID" i="1" baseline="0" dirty="0" smtClean="0">
+                        <a:rPr lang="en-ID" i="1" baseline="0" dirty="0">
                           <a:latin typeface="Times New Roman" panose="02020603050405020304" pitchFamily="18" charset="0"/>
                           <a:cs typeface="Times New Roman" panose="02020603050405020304" pitchFamily="18" charset="0"/>
                         </a:rPr>
@@ -3969,7 +4025,7 @@
                     <a:p>
                       <a:pPr algn="ctr"/>
                       <a:r>
-                        <a:rPr lang="en-ID" dirty="0" smtClean="0">
+                        <a:rPr lang="en-ID" dirty="0">
                           <a:latin typeface="Times New Roman" panose="02020603050405020304" pitchFamily="18" charset="0"/>
                           <a:cs typeface="Times New Roman" panose="02020603050405020304" pitchFamily="18" charset="0"/>
                         </a:rPr>
@@ -3990,7 +4046,7 @@
                     <a:p>
                       <a:pPr algn="ctr"/>
                       <a:r>
-                        <a:rPr lang="en-ID" dirty="0" smtClean="0">
+                        <a:rPr lang="en-ID" dirty="0">
                           <a:latin typeface="Times New Roman" panose="02020603050405020304" pitchFamily="18" charset="0"/>
                           <a:cs typeface="Times New Roman" panose="02020603050405020304" pitchFamily="18" charset="0"/>
                         </a:rPr>
@@ -4011,7 +4067,7 @@
                     <a:p>
                       <a:pPr algn="ctr"/>
                       <a:r>
-                        <a:rPr lang="en-ID" dirty="0" smtClean="0">
+                        <a:rPr lang="en-ID" dirty="0">
                           <a:latin typeface="Times New Roman" panose="02020603050405020304" pitchFamily="18" charset="0"/>
                           <a:cs typeface="Times New Roman" panose="02020603050405020304" pitchFamily="18" charset="0"/>
                         </a:rPr>
@@ -4032,7 +4088,7 @@
                     <a:p>
                       <a:pPr algn="ctr"/>
                       <a:r>
-                        <a:rPr lang="en-ID" dirty="0" smtClean="0">
+                        <a:rPr lang="en-ID" dirty="0">
                           <a:latin typeface="Times New Roman" panose="02020603050405020304" pitchFamily="18" charset="0"/>
                           <a:cs typeface="Times New Roman" panose="02020603050405020304" pitchFamily="18" charset="0"/>
                         </a:rPr>
@@ -4053,7 +4109,7 @@
                     <a:p>
                       <a:pPr algn="ctr"/>
                       <a:r>
-                        <a:rPr lang="en-ID" dirty="0" smtClean="0">
+                        <a:rPr lang="en-ID" dirty="0">
                           <a:latin typeface="Times New Roman" panose="02020603050405020304" pitchFamily="18" charset="0"/>
                           <a:cs typeface="Times New Roman" panose="02020603050405020304" pitchFamily="18" charset="0"/>
                         </a:rPr>
@@ -4067,6 +4123,11 @@
                   </a:txBody>
                   <a:tcPr/>
                 </a:tc>
+                <a:extLst>
+                  <a:ext uri="{0D108BD9-81ED-4DB2-BD59-A6C34878D82A}">
+                    <a16:rowId xmlns:a16="http://schemas.microsoft.com/office/drawing/2014/main" val="10007"/>
+                  </a:ext>
+                </a:extLst>
               </a:tr>
             </a:tbl>
           </a:graphicData>
@@ -4076,6 +4137,71 @@
     <p:extLst>
       <p:ext uri="{BB962C8B-B14F-4D97-AF65-F5344CB8AC3E}">
         <p14:creationId xmlns:p14="http://schemas.microsoft.com/office/powerpoint/2010/main" val="2300264275"/>
+      </p:ext>
+    </p:extLst>
+  </p:cSld>
+  <p:clrMapOvr>
+    <a:masterClrMapping/>
+  </p:clrMapOvr>
+</p:sld>
+</file>
+
+<file path=ppt/slides/slide2.xml><?xml version="1.0" encoding="utf-8"?>
+<p:sld xmlns:a="http://schemas.openxmlformats.org/drawingml/2006/main" xmlns:r="http://schemas.openxmlformats.org/officeDocument/2006/relationships" xmlns:p="http://schemas.openxmlformats.org/presentationml/2006/main">
+  <p:cSld>
+    <p:spTree>
+      <p:nvGrpSpPr>
+        <p:cNvPr id="1" name=""/>
+        <p:cNvGrpSpPr/>
+        <p:nvPr/>
+      </p:nvGrpSpPr>
+      <p:grpSpPr>
+        <a:xfrm>
+          <a:off x="0" y="0"/>
+          <a:ext cx="0" cy="0"/>
+          <a:chOff x="0" y="0"/>
+          <a:chExt cx="0" cy="0"/>
+        </a:xfrm>
+      </p:grpSpPr>
+      <p:pic>
+        <p:nvPicPr>
+          <p:cNvPr id="5" name="Picture 4">
+            <a:extLst>
+              <a:ext uri="{FF2B5EF4-FFF2-40B4-BE49-F238E27FC236}">
+                <a16:creationId xmlns:a16="http://schemas.microsoft.com/office/drawing/2014/main" id="{B5DA4807-A79D-45DF-9801-489AA7D9FABA}"/>
+              </a:ext>
+            </a:extLst>
+          </p:cNvPr>
+          <p:cNvPicPr>
+            <a:picLocks noChangeAspect="1"/>
+          </p:cNvPicPr>
+          <p:nvPr/>
+        </p:nvPicPr>
+        <p:blipFill rotWithShape="1">
+          <a:blip r:embed="rId2">
+            <a:extLst>
+              <a:ext uri="{28A0092B-C50C-407E-A947-70E740481C1C}">
+                <a14:useLocalDpi xmlns:a14="http://schemas.microsoft.com/office/drawing/2010/main" val="0"/>
+              </a:ext>
+            </a:extLst>
+          </a:blip>
+          <a:srcRect l="14773" t="22021" r="15568" b="10909"/>
+          <a:stretch/>
+        </p:blipFill>
+        <p:spPr>
+          <a:xfrm>
+            <a:off x="1801091" y="1510145"/>
+            <a:ext cx="8492836" cy="4599710"/>
+          </a:xfrm>
+          <a:prstGeom prst="rect">
+            <a:avLst/>
+          </a:prstGeom>
+        </p:spPr>
+      </p:pic>
+    </p:spTree>
+    <p:extLst>
+      <p:ext uri="{BB962C8B-B14F-4D97-AF65-F5344CB8AC3E}">
+        <p14:creationId xmlns:p14="http://schemas.microsoft.com/office/powerpoint/2010/main" val="1565007807"/>
       </p:ext>
     </p:extLst>
   </p:cSld>

--- a/Ms. Office/table perbedaan.pptx
+++ b/Ms. Office/table perbedaan.pptx
@@ -242,7 +242,7 @@
           <a:p>
             <a:fld id="{84409471-AC0A-4B17-A7CA-672B2B572DF1}" type="datetimeFigureOut">
               <a:rPr lang="en-US" smtClean="0"/>
-              <a:t>7/2/2018</a:t>
+              <a:t>8/4/2018</a:t>
             </a:fld>
             <a:endParaRPr lang="en-US"/>
           </a:p>
@@ -410,7 +410,7 @@
           <a:p>
             <a:fld id="{84409471-AC0A-4B17-A7CA-672B2B572DF1}" type="datetimeFigureOut">
               <a:rPr lang="en-US" smtClean="0"/>
-              <a:t>7/2/2018</a:t>
+              <a:t>8/4/2018</a:t>
             </a:fld>
             <a:endParaRPr lang="en-US"/>
           </a:p>
@@ -588,7 +588,7 @@
           <a:p>
             <a:fld id="{84409471-AC0A-4B17-A7CA-672B2B572DF1}" type="datetimeFigureOut">
               <a:rPr lang="en-US" smtClean="0"/>
-              <a:t>7/2/2018</a:t>
+              <a:t>8/4/2018</a:t>
             </a:fld>
             <a:endParaRPr lang="en-US"/>
           </a:p>
@@ -756,7 +756,7 @@
           <a:p>
             <a:fld id="{84409471-AC0A-4B17-A7CA-672B2B572DF1}" type="datetimeFigureOut">
               <a:rPr lang="en-US" smtClean="0"/>
-              <a:t>7/2/2018</a:t>
+              <a:t>8/4/2018</a:t>
             </a:fld>
             <a:endParaRPr lang="en-US"/>
           </a:p>
@@ -1001,7 +1001,7 @@
           <a:p>
             <a:fld id="{84409471-AC0A-4B17-A7CA-672B2B572DF1}" type="datetimeFigureOut">
               <a:rPr lang="en-US" smtClean="0"/>
-              <a:t>7/2/2018</a:t>
+              <a:t>8/4/2018</a:t>
             </a:fld>
             <a:endParaRPr lang="en-US"/>
           </a:p>
@@ -1230,7 +1230,7 @@
           <a:p>
             <a:fld id="{84409471-AC0A-4B17-A7CA-672B2B572DF1}" type="datetimeFigureOut">
               <a:rPr lang="en-US" smtClean="0"/>
-              <a:t>7/2/2018</a:t>
+              <a:t>8/4/2018</a:t>
             </a:fld>
             <a:endParaRPr lang="en-US"/>
           </a:p>
@@ -1594,7 +1594,7 @@
           <a:p>
             <a:fld id="{84409471-AC0A-4B17-A7CA-672B2B572DF1}" type="datetimeFigureOut">
               <a:rPr lang="en-US" smtClean="0"/>
-              <a:t>7/2/2018</a:t>
+              <a:t>8/4/2018</a:t>
             </a:fld>
             <a:endParaRPr lang="en-US"/>
           </a:p>
@@ -1711,7 +1711,7 @@
           <a:p>
             <a:fld id="{84409471-AC0A-4B17-A7CA-672B2B572DF1}" type="datetimeFigureOut">
               <a:rPr lang="en-US" smtClean="0"/>
-              <a:t>7/2/2018</a:t>
+              <a:t>8/4/2018</a:t>
             </a:fld>
             <a:endParaRPr lang="en-US"/>
           </a:p>
@@ -1806,7 +1806,7 @@
           <a:p>
             <a:fld id="{84409471-AC0A-4B17-A7CA-672B2B572DF1}" type="datetimeFigureOut">
               <a:rPr lang="en-US" smtClean="0"/>
-              <a:t>7/2/2018</a:t>
+              <a:t>8/4/2018</a:t>
             </a:fld>
             <a:endParaRPr lang="en-US"/>
           </a:p>
@@ -2081,7 +2081,7 @@
           <a:p>
             <a:fld id="{84409471-AC0A-4B17-A7CA-672B2B572DF1}" type="datetimeFigureOut">
               <a:rPr lang="en-US" smtClean="0"/>
-              <a:t>7/2/2018</a:t>
+              <a:t>8/4/2018</a:t>
             </a:fld>
             <a:endParaRPr lang="en-US"/>
           </a:p>
@@ -2333,7 +2333,7 @@
           <a:p>
             <a:fld id="{84409471-AC0A-4B17-A7CA-672B2B572DF1}" type="datetimeFigureOut">
               <a:rPr lang="en-US" smtClean="0"/>
-              <a:t>7/2/2018</a:t>
+              <a:t>8/4/2018</a:t>
             </a:fld>
             <a:endParaRPr lang="en-US"/>
           </a:p>
@@ -2544,7 +2544,7 @@
           <a:p>
             <a:fld id="{84409471-AC0A-4B17-A7CA-672B2B572DF1}" type="datetimeFigureOut">
               <a:rPr lang="en-US" smtClean="0"/>
-              <a:t>7/2/2018</a:t>
+              <a:t>8/4/2018</a:t>
             </a:fld>
             <a:endParaRPr lang="en-US"/>
           </a:p>
@@ -2958,7 +2958,7 @@
           <p:nvPr>
             <p:extLst>
               <p:ext uri="{D42A27DB-BD31-4B8C-83A1-F6EECF244321}">
-                <p14:modId xmlns:p14="http://schemas.microsoft.com/office/powerpoint/2010/main" val="2819796941"/>
+                <p14:modId xmlns:p14="http://schemas.microsoft.com/office/powerpoint/2010/main" val="2951269241"/>
               </p:ext>
             </p:extLst>
           </p:nvPr>
@@ -3459,7 +3459,7 @@
                           <a:latin typeface="Times New Roman" panose="02020603050405020304" pitchFamily="18" charset="0"/>
                           <a:cs typeface="Times New Roman" panose="02020603050405020304" pitchFamily="18" charset="0"/>
                         </a:rPr>
-                        <a:t>Ya</a:t>
+                        <a:t>Terbatas</a:t>
                       </a:r>
                       <a:endParaRPr lang="en-US" dirty="0">
                         <a:latin typeface="Times New Roman" panose="02020603050405020304" pitchFamily="18" charset="0"/>
